--- a/Metro Chatbot.pptx
+++ b/Metro Chatbot.pptx
@@ -10,9 +10,11 @@
     <p:sldId id="260" r:id="rId4"/>
     <p:sldId id="257" r:id="rId5"/>
     <p:sldId id="262" r:id="rId6"/>
-    <p:sldId id="263" r:id="rId7"/>
-    <p:sldId id="259" r:id="rId8"/>
-    <p:sldId id="261" r:id="rId9"/>
+    <p:sldId id="265" r:id="rId7"/>
+    <p:sldId id="263" r:id="rId8"/>
+    <p:sldId id="264" r:id="rId9"/>
+    <p:sldId id="259" r:id="rId10"/>
+    <p:sldId id="261" r:id="rId11"/>
   </p:sldIdLst>
   <p:sldSz cx="12192000" cy="6858000"/>
   <p:notesSz cx="6858000" cy="9144000"/>
@@ -451,7 +453,7 @@
             <a:fld id="{B61BEF0D-F0BB-DE4B-95CE-6DB70DBA9567}" type="datetimeFigureOut">
               <a:rPr lang="en-US" dirty="0"/>
               <a:pPr/>
-              <a:t>11/13/2023</a:t>
+              <a:t>11/15/2023</a:t>
             </a:fld>
             <a:endParaRPr lang="en-US" dirty="0"/>
           </a:p>
@@ -772,7 +774,7 @@
             <a:fld id="{B61BEF0D-F0BB-DE4B-95CE-6DB70DBA9567}" type="datetimeFigureOut">
               <a:rPr lang="en-US" dirty="0"/>
               <a:pPr/>
-              <a:t>11/13/2023</a:t>
+              <a:t>11/15/2023</a:t>
             </a:fld>
             <a:endParaRPr lang="en-US" dirty="0"/>
           </a:p>
@@ -1017,7 +1019,7 @@
             <a:fld id="{B61BEF0D-F0BB-DE4B-95CE-6DB70DBA9567}" type="datetimeFigureOut">
               <a:rPr lang="en-US" dirty="0"/>
               <a:pPr/>
-              <a:t>11/13/2023</a:t>
+              <a:t>11/15/2023</a:t>
             </a:fld>
             <a:endParaRPr lang="en-US" dirty="0"/>
           </a:p>
@@ -1353,7 +1355,7 @@
             <a:fld id="{B61BEF0D-F0BB-DE4B-95CE-6DB70DBA9567}" type="datetimeFigureOut">
               <a:rPr lang="en-US" dirty="0"/>
               <a:pPr/>
-              <a:t>11/13/2023</a:t>
+              <a:t>11/15/2023</a:t>
             </a:fld>
             <a:endParaRPr lang="en-US" dirty="0"/>
           </a:p>
@@ -1697,7 +1699,7 @@
             <a:fld id="{B61BEF0D-F0BB-DE4B-95CE-6DB70DBA9567}" type="datetimeFigureOut">
               <a:rPr lang="en-US" dirty="0"/>
               <a:pPr/>
-              <a:t>11/13/2023</a:t>
+              <a:t>11/15/2023</a:t>
             </a:fld>
             <a:endParaRPr lang="en-US" dirty="0"/>
           </a:p>
@@ -2068,7 +2070,7 @@
             <a:fld id="{B61BEF0D-F0BB-DE4B-95CE-6DB70DBA9567}" type="datetimeFigureOut">
               <a:rPr lang="en-US" dirty="0"/>
               <a:pPr/>
-              <a:t>11/13/2023</a:t>
+              <a:t>11/15/2023</a:t>
             </a:fld>
             <a:endParaRPr lang="en-US" dirty="0"/>
           </a:p>
@@ -2535,7 +2537,7 @@
             <a:fld id="{B61BEF0D-F0BB-DE4B-95CE-6DB70DBA9567}" type="datetimeFigureOut">
               <a:rPr lang="en-US" dirty="0"/>
               <a:pPr/>
-              <a:t>11/13/2023</a:t>
+              <a:t>11/15/2023</a:t>
             </a:fld>
             <a:endParaRPr lang="en-US" dirty="0"/>
           </a:p>
@@ -2737,7 +2739,7 @@
             <a:fld id="{B61BEF0D-F0BB-DE4B-95CE-6DB70DBA9567}" type="datetimeFigureOut">
               <a:rPr lang="en-US" dirty="0"/>
               <a:pPr/>
-              <a:t>11/13/2023</a:t>
+              <a:t>11/15/2023</a:t>
             </a:fld>
             <a:endParaRPr lang="en-US" dirty="0"/>
           </a:p>
@@ -2945,7 +2947,7 @@
             <a:fld id="{B61BEF0D-F0BB-DE4B-95CE-6DB70DBA9567}" type="datetimeFigureOut">
               <a:rPr lang="en-US" dirty="0"/>
               <a:pPr/>
-              <a:t>11/13/2023</a:t>
+              <a:t>11/15/2023</a:t>
             </a:fld>
             <a:endParaRPr lang="en-US" dirty="0"/>
           </a:p>
@@ -3173,7 +3175,7 @@
           <a:p>
             <a:fld id="{52647F38-B617-4D2F-AE0A-013F0C4D2C57}" type="datetimeFigureOut">
               <a:rPr lang="en-US" dirty="0"/>
-              <a:t>11/13/2023</a:t>
+              <a:t>11/15/2023</a:t>
             </a:fld>
             <a:endParaRPr lang="en-US" dirty="0"/>
           </a:p>
@@ -3417,7 +3419,7 @@
             <a:fld id="{B61BEF0D-F0BB-DE4B-95CE-6DB70DBA9567}" type="datetimeFigureOut">
               <a:rPr lang="en-US" dirty="0"/>
               <a:pPr/>
-              <a:t>11/13/2023</a:t>
+              <a:t>11/15/2023</a:t>
             </a:fld>
             <a:endParaRPr lang="en-US" dirty="0"/>
           </a:p>
@@ -3711,7 +3713,7 @@
           <a:p>
             <a:fld id="{05BFA754-D5C3-4E66-96A6-867B257F58DC}" type="datetimeFigureOut">
               <a:rPr lang="en-US" dirty="0"/>
-              <a:t>11/13/2023</a:t>
+              <a:t>11/15/2023</a:t>
             </a:fld>
             <a:endParaRPr lang="en-US" dirty="0"/>
           </a:p>
@@ -4101,7 +4103,7 @@
             <a:fld id="{B61BEF0D-F0BB-DE4B-95CE-6DB70DBA9567}" type="datetimeFigureOut">
               <a:rPr lang="en-US" dirty="0"/>
               <a:pPr/>
-              <a:t>11/13/2023</a:t>
+              <a:t>11/15/2023</a:t>
             </a:fld>
             <a:endParaRPr lang="en-US" dirty="0"/>
           </a:p>
@@ -4247,7 +4249,7 @@
             <a:fld id="{B61BEF0D-F0BB-DE4B-95CE-6DB70DBA9567}" type="datetimeFigureOut">
               <a:rPr lang="en-US" dirty="0"/>
               <a:pPr/>
-              <a:t>11/13/2023</a:t>
+              <a:t>11/15/2023</a:t>
             </a:fld>
             <a:endParaRPr lang="en-US" dirty="0"/>
           </a:p>
@@ -4370,7 +4372,7 @@
             <a:fld id="{B61BEF0D-F0BB-DE4B-95CE-6DB70DBA9567}" type="datetimeFigureOut">
               <a:rPr lang="en-US" dirty="0"/>
               <a:pPr/>
-              <a:t>11/13/2023</a:t>
+              <a:t>11/15/2023</a:t>
             </a:fld>
             <a:endParaRPr lang="en-US" dirty="0"/>
           </a:p>
@@ -4622,7 +4624,7 @@
             <a:fld id="{B61BEF0D-F0BB-DE4B-95CE-6DB70DBA9567}" type="datetimeFigureOut">
               <a:rPr lang="en-US" dirty="0"/>
               <a:pPr/>
-              <a:t>11/13/2023</a:t>
+              <a:t>11/15/2023</a:t>
             </a:fld>
             <a:endParaRPr lang="en-US" dirty="0"/>
           </a:p>
@@ -4934,7 +4936,7 @@
             <a:fld id="{B61BEF0D-F0BB-DE4B-95CE-6DB70DBA9567}" type="datetimeFigureOut">
               <a:rPr lang="en-US" dirty="0"/>
               <a:pPr/>
-              <a:t>11/13/2023</a:t>
+              <a:t>11/15/2023</a:t>
             </a:fld>
             <a:endParaRPr lang="en-US" dirty="0"/>
           </a:p>
@@ -5282,7 +5284,7 @@
             <a:fld id="{B61BEF0D-F0BB-DE4B-95CE-6DB70DBA9567}" type="datetimeFigureOut">
               <a:rPr lang="en-US" dirty="0"/>
               <a:pPr/>
-              <a:t>11/13/2023</a:t>
+              <a:t>11/15/2023</a:t>
             </a:fld>
             <a:endParaRPr lang="en-US" dirty="0"/>
           </a:p>
@@ -6184,6 +6186,69 @@
 </p:sld>
 </file>
 
+<file path=ppt/slides/slide10.xml><?xml version="1.0" encoding="utf-8"?>
+<p:sld xmlns:a="http://schemas.openxmlformats.org/drawingml/2006/main" xmlns:r="http://schemas.openxmlformats.org/officeDocument/2006/relationships" xmlns:p="http://schemas.openxmlformats.org/presentationml/2006/main">
+  <p:cSld>
+    <p:spTree>
+      <p:nvGrpSpPr>
+        <p:cNvPr id="1" name=""/>
+        <p:cNvGrpSpPr/>
+        <p:nvPr/>
+      </p:nvGrpSpPr>
+      <p:grpSpPr>
+        <a:xfrm>
+          <a:off x="0" y="0"/>
+          <a:ext cx="0" cy="0"/>
+          <a:chOff x="0" y="0"/>
+          <a:chExt cx="0" cy="0"/>
+        </a:xfrm>
+      </p:grpSpPr>
+      <p:sp>
+        <p:nvSpPr>
+          <p:cNvPr id="2" name="Title 1">
+            <a:extLst>
+              <a:ext uri="{FF2B5EF4-FFF2-40B4-BE49-F238E27FC236}">
+                <a16:creationId xmlns:a16="http://schemas.microsoft.com/office/drawing/2014/main" id="{8BBE9C8C-5151-1B72-1E37-EAD6F9B27399}"/>
+              </a:ext>
+            </a:extLst>
+          </p:cNvPr>
+          <p:cNvSpPr>
+            <a:spLocks noGrp="1"/>
+          </p:cNvSpPr>
+          <p:nvPr>
+            <p:ph type="ctrTitle"/>
+          </p:nvPr>
+        </p:nvSpPr>
+        <p:spPr>
+          <a:xfrm>
+            <a:off x="2688165" y="1987672"/>
+            <a:ext cx="6815669" cy="1515533"/>
+          </a:xfrm>
+        </p:spPr>
+        <p:txBody>
+          <a:bodyPr/>
+          <a:lstStyle/>
+          <a:p>
+            <a:r>
+              <a:rPr lang="en-IN" sz="6600" dirty="0"/>
+              <a:t>Thank You</a:t>
+            </a:r>
+          </a:p>
+        </p:txBody>
+      </p:sp>
+    </p:spTree>
+    <p:extLst>
+      <p:ext uri="{BB962C8B-B14F-4D97-AF65-F5344CB8AC3E}">
+        <p14:creationId xmlns:p14="http://schemas.microsoft.com/office/powerpoint/2010/main" val="399823181"/>
+      </p:ext>
+    </p:extLst>
+  </p:cSld>
+  <p:clrMapOvr>
+    <a:masterClrMapping/>
+  </p:clrMapOvr>
+</p:sld>
+</file>
+
 <file path=ppt/slides/slide2.xml><?xml version="1.0" encoding="utf-8"?>
 <p:sld xmlns:a="http://schemas.openxmlformats.org/drawingml/2006/main" xmlns:r="http://schemas.openxmlformats.org/officeDocument/2006/relationships" xmlns:p="http://schemas.openxmlformats.org/presentationml/2006/main">
   <p:cSld>
@@ -6278,13 +6343,7 @@
           <a:p>
             <a:r>
               <a:rPr lang="en-IN" sz="3600" dirty="0"/>
-              <a:t>Entity Recognition</a:t>
-            </a:r>
-          </a:p>
-          <a:p>
-            <a:r>
-              <a:rPr lang="en-IN" sz="3600" dirty="0"/>
-              <a:t>Similarity Coefficient + Neural Network Model</a:t>
+              <a:t>English Model + Hinglish Model + Neural Network Model</a:t>
             </a:r>
           </a:p>
           <a:p>
@@ -7141,7 +7200,7 @@
           <a:p>
             <a:r>
               <a:rPr lang="en-US" sz="2800" dirty="0"/>
-              <a:t>Entity recognition involves identifying and classifying entities (such as names, locations, dates, etc.) within the preprocessed text.</a:t>
+              <a:t>Entity recognition involves identifying and classifying entities (such as names, locations, etc.) within the preprocessed text.</a:t>
             </a:r>
           </a:p>
           <a:p>
@@ -7215,7 +7274,7 @@
           <a:p>
             <a:r>
               <a:rPr lang="en-IN" sz="5400" dirty="0"/>
-              <a:t>Similarity Coefficient </a:t>
+              <a:t>Hinglish Model</a:t>
             </a:r>
           </a:p>
         </p:txBody>
@@ -7262,12 +7321,6 @@
           <a:p>
             <a:r>
               <a:rPr lang="en-IN" sz="3600" dirty="0"/>
-              <a:t>Similarity score should be greater than 0.7</a:t>
-            </a:r>
-          </a:p>
-          <a:p>
-            <a:r>
-              <a:rPr lang="en-IN" sz="3600" dirty="0"/>
               <a:t>Response is then generated.</a:t>
             </a:r>
           </a:p>
@@ -7279,7 +7332,7 @@
     </p:spTree>
     <p:extLst>
       <p:ext uri="{BB962C8B-B14F-4D97-AF65-F5344CB8AC3E}">
-        <p14:creationId xmlns:p14="http://schemas.microsoft.com/office/powerpoint/2010/main" val="4072897873"/>
+        <p14:creationId xmlns:p14="http://schemas.microsoft.com/office/powerpoint/2010/main" val="365590601"/>
       </p:ext>
     </p:extLst>
   </p:cSld>
@@ -7336,7 +7389,7 @@
           <a:p>
             <a:r>
               <a:rPr lang="en-IN" sz="5400" dirty="0"/>
-              <a:t>Web Interface</a:t>
+              <a:t>English Model</a:t>
             </a:r>
           </a:p>
         </p:txBody>
@@ -7359,8 +7412,8 @@
         </p:nvSpPr>
         <p:spPr>
           <a:xfrm>
-            <a:off x="1295402" y="2575404"/>
-            <a:ext cx="9601196" cy="3318936"/>
+            <a:off x="1295401" y="2575404"/>
+            <a:ext cx="10116669" cy="3318936"/>
           </a:xfrm>
         </p:spPr>
         <p:txBody>
@@ -7371,23 +7424,36 @@
           <a:p>
             <a:r>
               <a:rPr lang="en-IN" sz="3600" dirty="0"/>
-              <a:t>Allows User to Interact with Chatbot</a:t>
-            </a:r>
-          </a:p>
-          <a:p>
+              <a:t>Used </a:t>
+            </a:r>
+            <a:r>
+              <a:rPr lang="en-IN" sz="3600" dirty="0" err="1"/>
+              <a:t>jaccard</a:t>
+            </a:r>
             <a:r>
               <a:rPr lang="en-IN" sz="3600" dirty="0"/>
-              <a:t>Django is used for Web Interface.</a:t>
+              <a:t> coefficient.</a:t>
             </a:r>
           </a:p>
           <a:p>
             <a:r>
               <a:rPr lang="en-IN" sz="3600" dirty="0"/>
-              <a:t>Elegant UI for Ease of Use.</a:t>
-            </a:r>
-          </a:p>
-          <a:p>
-            <a:endParaRPr lang="en-IN" sz="3600" dirty="0"/>
+              <a:t>Matches the pattern with highest </a:t>
+            </a:r>
+            <a:r>
+              <a:rPr lang="en-IN" sz="3600" dirty="0" err="1"/>
+              <a:t>jaccard</a:t>
+            </a:r>
+            <a:r>
+              <a:rPr lang="en-IN" sz="3600" dirty="0"/>
+              <a:t> coefficient.</a:t>
+            </a:r>
+          </a:p>
+          <a:p>
+            <a:r>
+              <a:rPr lang="en-IN" sz="3600" dirty="0"/>
+              <a:t>Response is then generated.</a:t>
+            </a:r>
           </a:p>
           <a:p>
             <a:endParaRPr lang="en-IN" sz="3600" dirty="0"/>
@@ -7397,7 +7463,7 @@
     </p:spTree>
     <p:extLst>
       <p:ext uri="{BB962C8B-B14F-4D97-AF65-F5344CB8AC3E}">
-        <p14:creationId xmlns:p14="http://schemas.microsoft.com/office/powerpoint/2010/main" val="3207293747"/>
+        <p14:creationId xmlns:p14="http://schemas.microsoft.com/office/powerpoint/2010/main" val="4072897873"/>
       </p:ext>
     </p:extLst>
   </p:cSld>
@@ -7429,7 +7495,7 @@
           <p:cNvPr id="2" name="Title 1">
             <a:extLst>
               <a:ext uri="{FF2B5EF4-FFF2-40B4-BE49-F238E27FC236}">
-                <a16:creationId xmlns:a16="http://schemas.microsoft.com/office/drawing/2014/main" id="{8BBE9C8C-5151-1B72-1E37-EAD6F9B27399}"/>
+                <a16:creationId xmlns:a16="http://schemas.microsoft.com/office/drawing/2014/main" id="{1CBD6270-983A-777E-8CA2-FD67879B91CA}"/>
               </a:ext>
             </a:extLst>
           </p:cNvPr>
@@ -7437,30 +7503,209 @@
             <a:spLocks noGrp="1"/>
           </p:cNvSpPr>
           <p:nvPr>
-            <p:ph type="ctrTitle"/>
-          </p:nvPr>
-        </p:nvSpPr>
-        <p:spPr>
-          <a:xfrm>
-            <a:off x="2688165" y="1987672"/>
-            <a:ext cx="6815669" cy="1515533"/>
-          </a:xfrm>
-        </p:spPr>
-        <p:txBody>
-          <a:bodyPr/>
-          <a:lstStyle/>
-          <a:p>
-            <a:r>
-              <a:rPr lang="en-IN" sz="6600" dirty="0"/>
-              <a:t>Thank You</a:t>
-            </a:r>
+            <p:ph type="title"/>
+          </p:nvPr>
+        </p:nvSpPr>
+        <p:spPr>
+          <a:xfrm>
+            <a:off x="1156856" y="1092968"/>
+            <a:ext cx="9601196" cy="1303867"/>
+          </a:xfrm>
+        </p:spPr>
+        <p:txBody>
+          <a:bodyPr>
+            <a:normAutofit/>
+          </a:bodyPr>
+          <a:lstStyle/>
+          <a:p>
+            <a:r>
+              <a:rPr lang="en-IN" sz="5400" dirty="0"/>
+              <a:t>Neural Network Model </a:t>
+            </a:r>
+          </a:p>
+        </p:txBody>
+      </p:sp>
+      <p:sp>
+        <p:nvSpPr>
+          <p:cNvPr id="3" name="Content Placeholder 2">
+            <a:extLst>
+              <a:ext uri="{FF2B5EF4-FFF2-40B4-BE49-F238E27FC236}">
+                <a16:creationId xmlns:a16="http://schemas.microsoft.com/office/drawing/2014/main" id="{24EB6044-1B2A-602A-95AF-A659BC627D68}"/>
+              </a:ext>
+            </a:extLst>
+          </p:cNvPr>
+          <p:cNvSpPr>
+            <a:spLocks noGrp="1"/>
+          </p:cNvSpPr>
+          <p:nvPr>
+            <p:ph idx="1"/>
+          </p:nvPr>
+        </p:nvSpPr>
+        <p:spPr>
+          <a:xfrm>
+            <a:off x="1295401" y="2575404"/>
+            <a:ext cx="10116669" cy="3318936"/>
+          </a:xfrm>
+        </p:spPr>
+        <p:txBody>
+          <a:bodyPr>
+            <a:normAutofit/>
+          </a:bodyPr>
+          <a:lstStyle/>
+          <a:p>
+            <a:r>
+              <a:rPr lang="en-IN" sz="3600" dirty="0"/>
+              <a:t>Used </a:t>
+            </a:r>
+            <a:r>
+              <a:rPr lang="en-IN" sz="3600" dirty="0" err="1"/>
+              <a:t>Pytorch</a:t>
+            </a:r>
+            <a:r>
+              <a:rPr lang="en-IN" sz="3600" dirty="0"/>
+              <a:t> for building Neural Network Model.</a:t>
+            </a:r>
+          </a:p>
+          <a:p>
+            <a:r>
+              <a:rPr lang="en-US" sz="3600" dirty="0"/>
+              <a:t>During inference, use the trained model to generate responses to user input.</a:t>
+            </a:r>
+            <a:endParaRPr lang="en-IN" sz="3600" dirty="0"/>
+          </a:p>
+          <a:p>
+            <a:r>
+              <a:rPr lang="en-IN" sz="3600" dirty="0"/>
+              <a:t>Used Bag of Words method.</a:t>
+            </a:r>
+          </a:p>
+          <a:p>
+            <a:endParaRPr lang="en-IN" sz="3600" dirty="0"/>
           </a:p>
         </p:txBody>
       </p:sp>
     </p:spTree>
     <p:extLst>
       <p:ext uri="{BB962C8B-B14F-4D97-AF65-F5344CB8AC3E}">
-        <p14:creationId xmlns:p14="http://schemas.microsoft.com/office/powerpoint/2010/main" val="399823181"/>
+        <p14:creationId xmlns:p14="http://schemas.microsoft.com/office/powerpoint/2010/main" val="1860587993"/>
+      </p:ext>
+    </p:extLst>
+  </p:cSld>
+  <p:clrMapOvr>
+    <a:masterClrMapping/>
+  </p:clrMapOvr>
+</p:sld>
+</file>
+
+<file path=ppt/slides/slide9.xml><?xml version="1.0" encoding="utf-8"?>
+<p:sld xmlns:a="http://schemas.openxmlformats.org/drawingml/2006/main" xmlns:r="http://schemas.openxmlformats.org/officeDocument/2006/relationships" xmlns:p="http://schemas.openxmlformats.org/presentationml/2006/main">
+  <p:cSld>
+    <p:spTree>
+      <p:nvGrpSpPr>
+        <p:cNvPr id="1" name=""/>
+        <p:cNvGrpSpPr/>
+        <p:nvPr/>
+      </p:nvGrpSpPr>
+      <p:grpSpPr>
+        <a:xfrm>
+          <a:off x="0" y="0"/>
+          <a:ext cx="0" cy="0"/>
+          <a:chOff x="0" y="0"/>
+          <a:chExt cx="0" cy="0"/>
+        </a:xfrm>
+      </p:grpSpPr>
+      <p:sp>
+        <p:nvSpPr>
+          <p:cNvPr id="2" name="Title 1">
+            <a:extLst>
+              <a:ext uri="{FF2B5EF4-FFF2-40B4-BE49-F238E27FC236}">
+                <a16:creationId xmlns:a16="http://schemas.microsoft.com/office/drawing/2014/main" id="{1CBD6270-983A-777E-8CA2-FD67879B91CA}"/>
+              </a:ext>
+            </a:extLst>
+          </p:cNvPr>
+          <p:cNvSpPr>
+            <a:spLocks noGrp="1"/>
+          </p:cNvSpPr>
+          <p:nvPr>
+            <p:ph type="title"/>
+          </p:nvPr>
+        </p:nvSpPr>
+        <p:spPr>
+          <a:xfrm>
+            <a:off x="1156856" y="1092968"/>
+            <a:ext cx="9601196" cy="1303867"/>
+          </a:xfrm>
+        </p:spPr>
+        <p:txBody>
+          <a:bodyPr>
+            <a:normAutofit/>
+          </a:bodyPr>
+          <a:lstStyle/>
+          <a:p>
+            <a:r>
+              <a:rPr lang="en-IN" sz="5400" dirty="0"/>
+              <a:t>Web Interface</a:t>
+            </a:r>
+          </a:p>
+        </p:txBody>
+      </p:sp>
+      <p:sp>
+        <p:nvSpPr>
+          <p:cNvPr id="3" name="Content Placeholder 2">
+            <a:extLst>
+              <a:ext uri="{FF2B5EF4-FFF2-40B4-BE49-F238E27FC236}">
+                <a16:creationId xmlns:a16="http://schemas.microsoft.com/office/drawing/2014/main" id="{24EB6044-1B2A-602A-95AF-A659BC627D68}"/>
+              </a:ext>
+            </a:extLst>
+          </p:cNvPr>
+          <p:cNvSpPr>
+            <a:spLocks noGrp="1"/>
+          </p:cNvSpPr>
+          <p:nvPr>
+            <p:ph idx="1"/>
+          </p:nvPr>
+        </p:nvSpPr>
+        <p:spPr>
+          <a:xfrm>
+            <a:off x="1295402" y="2575404"/>
+            <a:ext cx="9601196" cy="3318936"/>
+          </a:xfrm>
+        </p:spPr>
+        <p:txBody>
+          <a:bodyPr>
+            <a:normAutofit/>
+          </a:bodyPr>
+          <a:lstStyle/>
+          <a:p>
+            <a:r>
+              <a:rPr lang="en-IN" sz="3600" dirty="0"/>
+              <a:t>Allows User to Interact with Chatbot</a:t>
+            </a:r>
+          </a:p>
+          <a:p>
+            <a:r>
+              <a:rPr lang="en-IN" sz="3600" dirty="0"/>
+              <a:t>Django is used for Web Interface.</a:t>
+            </a:r>
+          </a:p>
+          <a:p>
+            <a:r>
+              <a:rPr lang="en-IN" sz="3600" dirty="0"/>
+              <a:t>Elegant UI for Ease of Use.</a:t>
+            </a:r>
+          </a:p>
+          <a:p>
+            <a:endParaRPr lang="en-IN" sz="3600" dirty="0"/>
+          </a:p>
+          <a:p>
+            <a:endParaRPr lang="en-IN" sz="3600" dirty="0"/>
+          </a:p>
+        </p:txBody>
+      </p:sp>
+    </p:spTree>
+    <p:extLst>
+      <p:ext uri="{BB962C8B-B14F-4D97-AF65-F5344CB8AC3E}">
+        <p14:creationId xmlns:p14="http://schemas.microsoft.com/office/powerpoint/2010/main" val="3207293747"/>
       </p:ext>
     </p:extLst>
   </p:cSld>
